--- a/_BaoCao/quocdunginfo/Class Hieararchy Diagram.pptx
+++ b/_BaoCao/quocdunginfo/Class Hieararchy Diagram.pptx
@@ -255,7 +255,7 @@
           <a:p>
             <a:fld id="{07ED667D-834B-4A53-A4F7-24BA605DDA1B}" type="datetimeFigureOut">
               <a:rPr lang="en-US" smtClean="0"/>
-              <a:t>10/7/2014</a:t>
+              <a:t>27/10/2014</a:t>
             </a:fld>
             <a:endParaRPr lang="en-US"/>
           </a:p>
@@ -425,7 +425,7 @@
           <a:p>
             <a:fld id="{07ED667D-834B-4A53-A4F7-24BA605DDA1B}" type="datetimeFigureOut">
               <a:rPr lang="en-US" smtClean="0"/>
-              <a:t>10/7/2014</a:t>
+              <a:t>27/10/2014</a:t>
             </a:fld>
             <a:endParaRPr lang="en-US"/>
           </a:p>
@@ -605,7 +605,7 @@
           <a:p>
             <a:fld id="{07ED667D-834B-4A53-A4F7-24BA605DDA1B}" type="datetimeFigureOut">
               <a:rPr lang="en-US" smtClean="0"/>
-              <a:t>10/7/2014</a:t>
+              <a:t>27/10/2014</a:t>
             </a:fld>
             <a:endParaRPr lang="en-US"/>
           </a:p>
@@ -775,7 +775,7 @@
           <a:p>
             <a:fld id="{07ED667D-834B-4A53-A4F7-24BA605DDA1B}" type="datetimeFigureOut">
               <a:rPr lang="en-US" smtClean="0"/>
-              <a:t>10/7/2014</a:t>
+              <a:t>27/10/2014</a:t>
             </a:fld>
             <a:endParaRPr lang="en-US"/>
           </a:p>
@@ -1019,7 +1019,7 @@
           <a:p>
             <a:fld id="{07ED667D-834B-4A53-A4F7-24BA605DDA1B}" type="datetimeFigureOut">
               <a:rPr lang="en-US" smtClean="0"/>
-              <a:t>10/7/2014</a:t>
+              <a:t>27/10/2014</a:t>
             </a:fld>
             <a:endParaRPr lang="en-US"/>
           </a:p>
@@ -1251,7 +1251,7 @@
           <a:p>
             <a:fld id="{07ED667D-834B-4A53-A4F7-24BA605DDA1B}" type="datetimeFigureOut">
               <a:rPr lang="en-US" smtClean="0"/>
-              <a:t>10/7/2014</a:t>
+              <a:t>27/10/2014</a:t>
             </a:fld>
             <a:endParaRPr lang="en-US"/>
           </a:p>
@@ -1618,7 +1618,7 @@
           <a:p>
             <a:fld id="{07ED667D-834B-4A53-A4F7-24BA605DDA1B}" type="datetimeFigureOut">
               <a:rPr lang="en-US" smtClean="0"/>
-              <a:t>10/7/2014</a:t>
+              <a:t>27/10/2014</a:t>
             </a:fld>
             <a:endParaRPr lang="en-US"/>
           </a:p>
@@ -1736,7 +1736,7 @@
           <a:p>
             <a:fld id="{07ED667D-834B-4A53-A4F7-24BA605DDA1B}" type="datetimeFigureOut">
               <a:rPr lang="en-US" smtClean="0"/>
-              <a:t>10/7/2014</a:t>
+              <a:t>27/10/2014</a:t>
             </a:fld>
             <a:endParaRPr lang="en-US"/>
           </a:p>
@@ -1831,7 +1831,7 @@
           <a:p>
             <a:fld id="{07ED667D-834B-4A53-A4F7-24BA605DDA1B}" type="datetimeFigureOut">
               <a:rPr lang="en-US" smtClean="0"/>
-              <a:t>10/7/2014</a:t>
+              <a:t>27/10/2014</a:t>
             </a:fld>
             <a:endParaRPr lang="en-US"/>
           </a:p>
@@ -2108,7 +2108,7 @@
           <a:p>
             <a:fld id="{07ED667D-834B-4A53-A4F7-24BA605DDA1B}" type="datetimeFigureOut">
               <a:rPr lang="en-US" smtClean="0"/>
-              <a:t>10/7/2014</a:t>
+              <a:t>27/10/2014</a:t>
             </a:fld>
             <a:endParaRPr lang="en-US"/>
           </a:p>
@@ -2365,7 +2365,7 @@
           <a:p>
             <a:fld id="{07ED667D-834B-4A53-A4F7-24BA605DDA1B}" type="datetimeFigureOut">
               <a:rPr lang="en-US" smtClean="0"/>
-              <a:t>10/7/2014</a:t>
+              <a:t>27/10/2014</a:t>
             </a:fld>
             <a:endParaRPr lang="en-US"/>
           </a:p>
@@ -2578,7 +2578,7 @@
           <a:p>
             <a:fld id="{07ED667D-834B-4A53-A4F7-24BA605DDA1B}" type="datetimeFigureOut">
               <a:rPr lang="en-US" smtClean="0"/>
-              <a:t>10/7/2014</a:t>
+              <a:t>27/10/2014</a:t>
             </a:fld>
             <a:endParaRPr lang="en-US"/>
           </a:p>
@@ -4658,9 +4658,9 @@
         <p:grpSpPr>
           <a:xfrm>
             <a:off x="1648276" y="2078524"/>
-            <a:ext cx="2829525" cy="3220427"/>
+            <a:ext cx="2829525" cy="3551715"/>
             <a:chOff x="1648276" y="1230799"/>
-            <a:chExt cx="2829525" cy="3220427"/>
+            <a:chExt cx="2829525" cy="3551715"/>
           </a:xfrm>
         </p:grpSpPr>
         <p:grpSp>
@@ -4672,9 +4672,9 @@
           <p:grpSpPr>
             <a:xfrm>
               <a:off x="2991811" y="1230799"/>
-              <a:ext cx="161925" cy="3220427"/>
+              <a:ext cx="161925" cy="3550946"/>
               <a:chOff x="2991811" y="1230799"/>
-              <a:chExt cx="161925" cy="3220427"/>
+              <a:chExt cx="161925" cy="3550946"/>
             </a:xfrm>
             <a:solidFill>
               <a:schemeClr val="bg1"/>
@@ -4687,9 +4687,9 @@
               <p:nvPr/>
             </p:nvCxnSpPr>
             <p:spPr>
-              <a:xfrm>
-                <a:off x="3073380" y="1310916"/>
-                <a:ext cx="0" cy="3140310"/>
+              <a:xfrm flipH="1">
+                <a:off x="3072773" y="1310916"/>
+                <a:ext cx="607" cy="3470829"/>
               </a:xfrm>
               <a:prstGeom prst="line">
                 <a:avLst/>
@@ -5078,6 +5078,41 @@
             </a:fontRef>
           </p:style>
         </p:cxnSp>
+        <p:cxnSp>
+          <p:nvCxnSpPr>
+            <p:cNvPr id="60" name="Straight Connector 59"/>
+            <p:cNvCxnSpPr/>
+            <p:nvPr/>
+          </p:nvCxnSpPr>
+          <p:spPr>
+            <a:xfrm>
+              <a:off x="1679027" y="4781745"/>
+              <a:ext cx="2798774" cy="769"/>
+            </a:xfrm>
+            <a:prstGeom prst="line">
+              <a:avLst/>
+            </a:prstGeom>
+            <a:ln w="12700">
+              <a:solidFill>
+                <a:schemeClr val="tx1"/>
+              </a:solidFill>
+            </a:ln>
+          </p:spPr>
+          <p:style>
+            <a:lnRef idx="1">
+              <a:schemeClr val="accent1"/>
+            </a:lnRef>
+            <a:fillRef idx="0">
+              <a:schemeClr val="accent1"/>
+            </a:fillRef>
+            <a:effectRef idx="0">
+              <a:schemeClr val="accent1"/>
+            </a:effectRef>
+            <a:fontRef idx="minor">
+              <a:schemeClr val="tx1"/>
+            </a:fontRef>
+          </p:style>
+        </p:cxnSp>
       </p:grpSp>
       <p:cxnSp>
         <p:nvCxnSpPr>
@@ -5359,6 +5394,138 @@
           </p:txBody>
         </p:sp>
       </p:grpSp>
+      <p:sp>
+        <p:nvSpPr>
+          <p:cNvPr id="56" name="Rectangle 55"/>
+          <p:cNvSpPr/>
+          <p:nvPr/>
+        </p:nvSpPr>
+        <p:spPr>
+          <a:xfrm>
+            <a:off x="565786" y="5511474"/>
+            <a:ext cx="1096618" cy="238870"/>
+          </a:xfrm>
+          <a:prstGeom prst="rect">
+            <a:avLst/>
+          </a:prstGeom>
+          <a:solidFill>
+            <a:schemeClr val="bg1"/>
+          </a:solidFill>
+          <a:ln w="12700">
+            <a:solidFill>
+              <a:schemeClr val="tx1"/>
+            </a:solidFill>
+          </a:ln>
+        </p:spPr>
+        <p:style>
+          <a:lnRef idx="2">
+            <a:schemeClr val="accent1">
+              <a:shade val="50000"/>
+            </a:schemeClr>
+          </a:lnRef>
+          <a:fillRef idx="1">
+            <a:schemeClr val="accent1"/>
+          </a:fillRef>
+          <a:effectRef idx="0">
+            <a:schemeClr val="accent1"/>
+          </a:effectRef>
+          <a:fontRef idx="minor">
+            <a:schemeClr val="lt1"/>
+          </a:fontRef>
+        </p:style>
+        <p:txBody>
+          <a:bodyPr rtlCol="0" anchor="ctr"/>
+          <a:lstStyle/>
+          <a:p>
+            <a:pPr algn="ctr"/>
+            <a:r>
+              <a:rPr lang="en-US" sz="1300" smtClean="0">
+                <a:solidFill>
+                  <a:schemeClr val="tx1"/>
+                </a:solidFill>
+                <a:latin typeface="Tahoma" panose="020B0604030504040204" pitchFamily="34" charset="0"/>
+                <a:ea typeface="Tahoma" panose="020B0604030504040204" pitchFamily="34" charset="0"/>
+                <a:cs typeface="Tahoma" panose="020B0604030504040204" pitchFamily="34" charset="0"/>
+              </a:rPr>
+              <a:t>ChungTu</a:t>
+            </a:r>
+            <a:endParaRPr lang="en-US" sz="1300">
+              <a:solidFill>
+                <a:schemeClr val="tx1"/>
+              </a:solidFill>
+              <a:latin typeface="Tahoma" panose="020B0604030504040204" pitchFamily="34" charset="0"/>
+              <a:ea typeface="Tahoma" panose="020B0604030504040204" pitchFamily="34" charset="0"/>
+              <a:cs typeface="Tahoma" panose="020B0604030504040204" pitchFamily="34" charset="0"/>
+            </a:endParaRPr>
+          </a:p>
+        </p:txBody>
+      </p:sp>
+      <p:sp>
+        <p:nvSpPr>
+          <p:cNvPr id="57" name="Rectangle 56"/>
+          <p:cNvSpPr/>
+          <p:nvPr/>
+        </p:nvSpPr>
+        <p:spPr>
+          <a:xfrm>
+            <a:off x="4471642" y="5512519"/>
+            <a:ext cx="1046981" cy="238870"/>
+          </a:xfrm>
+          <a:prstGeom prst="rect">
+            <a:avLst/>
+          </a:prstGeom>
+          <a:solidFill>
+            <a:schemeClr val="bg1"/>
+          </a:solidFill>
+          <a:ln w="12700">
+            <a:solidFill>
+              <a:schemeClr val="tx1"/>
+            </a:solidFill>
+          </a:ln>
+        </p:spPr>
+        <p:style>
+          <a:lnRef idx="2">
+            <a:schemeClr val="accent1">
+              <a:shade val="50000"/>
+            </a:schemeClr>
+          </a:lnRef>
+          <a:fillRef idx="1">
+            <a:schemeClr val="accent1"/>
+          </a:fillRef>
+          <a:effectRef idx="0">
+            <a:schemeClr val="accent1"/>
+          </a:effectRef>
+          <a:fontRef idx="minor">
+            <a:schemeClr val="lt1"/>
+          </a:fontRef>
+        </p:style>
+        <p:txBody>
+          <a:bodyPr rtlCol="0" anchor="ctr"/>
+          <a:lstStyle/>
+          <a:p>
+            <a:pPr algn="ctr"/>
+            <a:r>
+              <a:rPr lang="en-US" sz="1300" smtClean="0">
+                <a:solidFill>
+                  <a:schemeClr val="tx1"/>
+                </a:solidFill>
+                <a:latin typeface="Tahoma" panose="020B0604030504040204" pitchFamily="34" charset="0"/>
+                <a:ea typeface="Tahoma" panose="020B0604030504040204" pitchFamily="34" charset="0"/>
+                <a:cs typeface="Tahoma" panose="020B0604030504040204" pitchFamily="34" charset="0"/>
+              </a:rPr>
+              <a:t>Attachment</a:t>
+            </a:r>
+            <a:endParaRPr lang="en-US" sz="1300">
+              <a:solidFill>
+                <a:schemeClr val="tx1"/>
+              </a:solidFill>
+              <a:latin typeface="Tahoma" panose="020B0604030504040204" pitchFamily="34" charset="0"/>
+              <a:ea typeface="Tahoma" panose="020B0604030504040204" pitchFamily="34" charset="0"/>
+              <a:cs typeface="Tahoma" panose="020B0604030504040204" pitchFamily="34" charset="0"/>
+            </a:endParaRPr>
+          </a:p>
+        </p:txBody>
+      </p:sp>
     </p:spTree>
     <p:extLst>
       <p:ext uri="{BB962C8B-B14F-4D97-AF65-F5344CB8AC3E}">
